--- a/2018/C语言课程设计/状态机编程概念.pptx
+++ b/2018/C语言课程设计/状态机编程概念.pptx
@@ -1840,7 +1840,7 @@
           <a:p>
             <a:fld id="{9B897E2D-957B-4D9D-A0C2-5B7D912FC07C}" type="datetime10">
               <a:rPr lang="zh-CN" altLang="en-US" smtClean="0"/>
-              <a:t>11:04</a:t>
+              <a:t>18:15</a:t>
             </a:fld>
             <a:endParaRPr lang="zh-CN" altLang="en-US"/>
           </a:p>
@@ -2053,7 +2053,7 @@
           <a:p>
             <a:fld id="{FEB5EFE7-A783-4554-B77F-DF14040FF23C}" type="datetime10">
               <a:rPr lang="zh-CN" altLang="en-US" smtClean="0"/>
-              <a:t>11:04</a:t>
+              <a:t>18:15</a:t>
             </a:fld>
             <a:endParaRPr lang="zh-CN" altLang="en-US"/>
           </a:p>
@@ -2363,7 +2363,7 @@
           <a:p>
             <a:fld id="{FAE39FCF-E57F-4C7B-8DA8-2F4FAAA6797D}" type="datetime10">
               <a:rPr lang="zh-CN" altLang="en-US" smtClean="0"/>
-              <a:t>11:04</a:t>
+              <a:t>18:15</a:t>
             </a:fld>
             <a:endParaRPr lang="zh-CN" altLang="en-US"/>
           </a:p>
@@ -2538,7 +2538,7 @@
           <a:p>
             <a:fld id="{027287E7-C195-4956-AB5F-C5E4FB6E648D}" type="datetime10">
               <a:rPr lang="zh-CN" altLang="en-US" smtClean="0"/>
-              <a:t>11:04</a:t>
+              <a:t>18:15</a:t>
             </a:fld>
             <a:endParaRPr lang="zh-CN" altLang="en-US"/>
           </a:p>
@@ -2662,7 +2662,7 @@
           <a:p>
             <a:fld id="{2BC22A67-3ECF-487E-A853-13104F322C26}" type="datetime10">
               <a:rPr lang="zh-CN" altLang="en-US" smtClean="0"/>
-              <a:t>11:04</a:t>
+              <a:t>18:15</a:t>
             </a:fld>
             <a:endParaRPr lang="zh-CN" altLang="en-US"/>
           </a:p>
@@ -3123,7 +3123,7 @@
           <a:p>
             <a:fld id="{CDF13AE3-D21E-49E3-A634-69B00BCC8341}" type="datetime10">
               <a:rPr lang="zh-CN" altLang="en-US" smtClean="0"/>
-              <a:t>11:04</a:t>
+              <a:t>18:15</a:t>
             </a:fld>
             <a:endParaRPr lang="zh-CN" altLang="en-US"/>
           </a:p>
@@ -3980,7 +3980,7 @@
           <a:p>
             <a:fld id="{1DF8ECE8-2F79-442C-B009-BF24F53FEA95}" type="datetime10">
               <a:rPr lang="zh-CN" altLang="en-US" smtClean="0"/>
-              <a:t>11:04</a:t>
+              <a:t>18:15</a:t>
             </a:fld>
             <a:endParaRPr lang="zh-CN" altLang="en-US"/>
           </a:p>
@@ -4380,7 +4380,7 @@
           <a:p>
             <a:fld id="{BD558A68-2CCC-49FA-A58C-536E17F3B137}" type="datetime10">
               <a:rPr lang="zh-CN" altLang="en-US" smtClean="0"/>
-              <a:t>11:04</a:t>
+              <a:t>18:15</a:t>
             </a:fld>
             <a:endParaRPr lang="zh-CN" altLang="en-US"/>
           </a:p>
@@ -4780,7 +4780,7 @@
           <a:p>
             <a:fld id="{1901CB65-9D5A-4CA6-98E1-6B263BA07C5F}" type="datetime10">
               <a:rPr lang="zh-CN" altLang="en-US" smtClean="0"/>
-              <a:t>11:04</a:t>
+              <a:t>18:15</a:t>
             </a:fld>
             <a:endParaRPr lang="zh-CN" altLang="en-US"/>
           </a:p>
@@ -5691,7 +5691,7 @@
           <a:p>
             <a:fld id="{C503C4C8-8C25-4B5F-9CBC-FB43B2AE1AF3}" type="datetime10">
               <a:rPr lang="zh-CN" altLang="en-US" smtClean="0"/>
-              <a:t>11:04</a:t>
+              <a:t>18:15</a:t>
             </a:fld>
             <a:endParaRPr lang="zh-CN" altLang="en-US"/>
           </a:p>
@@ -6582,7 +6582,7 @@
           <a:p>
             <a:fld id="{E94650C5-04D2-4978-9CD7-FA728BF25977}" type="datetime10">
               <a:rPr lang="zh-CN" altLang="en-US" smtClean="0"/>
-              <a:t>11:04</a:t>
+              <a:t>18:15</a:t>
             </a:fld>
             <a:endParaRPr lang="zh-CN" altLang="en-US"/>
           </a:p>
@@ -7447,7 +7447,7 @@
           <a:p>
             <a:fld id="{57A94393-DCF7-403D-A87F-F244F11AA608}" type="datetime10">
               <a:rPr lang="zh-CN" altLang="en-US" smtClean="0"/>
-              <a:t>11:04</a:t>
+              <a:t>18:15</a:t>
             </a:fld>
             <a:endParaRPr lang="zh-CN" altLang="en-US"/>
           </a:p>
@@ -7804,7 +7804,7 @@
           <a:p>
             <a:fld id="{6606D06D-BD90-4ECE-83BA-BFB60DA6A5BE}" type="datetime10">
               <a:rPr lang="zh-CN" altLang="en-US" smtClean="0"/>
-              <a:t>11:04</a:t>
+              <a:t>18:15</a:t>
             </a:fld>
             <a:endParaRPr lang="zh-CN" altLang="en-US"/>
           </a:p>
@@ -8329,7 +8329,7 @@
           <a:p>
             <a:fld id="{EB5ADC9E-F51B-47BE-99D3-DA62903491B0}" type="datetime10">
               <a:rPr lang="zh-CN" altLang="en-US" smtClean="0"/>
-              <a:t>11:04</a:t>
+              <a:t>18:15</a:t>
             </a:fld>
             <a:endParaRPr lang="zh-CN" altLang="en-US"/>
           </a:p>
@@ -9122,7 +9122,7 @@
           <a:p>
             <a:fld id="{5B15ED53-32A7-4FF4-BF75-7A0619B23433}" type="datetime10">
               <a:rPr lang="zh-CN" altLang="en-US" smtClean="0"/>
-              <a:t>11:04</a:t>
+              <a:t>18:15</a:t>
             </a:fld>
             <a:endParaRPr lang="zh-CN" altLang="en-US"/>
           </a:p>
@@ -9615,7 +9615,7 @@
           <a:p>
             <a:fld id="{E2546516-918C-4B93-8C28-8B85FDF9AEFB}" type="datetime10">
               <a:rPr lang="zh-CN" altLang="en-US" smtClean="0"/>
-              <a:t>11:04</a:t>
+              <a:t>18:15</a:t>
             </a:fld>
             <a:endParaRPr lang="zh-CN" altLang="en-US"/>
           </a:p>
@@ -9928,11 +9928,7 @@
             </a:pPr>
             <a:r>
               <a:rPr lang="zh-CN" altLang="en-US" dirty="0" smtClean="0"/>
-              <a:t>状态</a:t>
-            </a:r>
-            <a:r>
-              <a:rPr lang="zh-CN" altLang="en-US" dirty="0" smtClean="0"/>
-              <a:t>与状态机基本概念</a:t>
+              <a:t>状态与状态机基本概念</a:t>
             </a:r>
             <a:endParaRPr lang="en-US" altLang="zh-CN" dirty="0" smtClean="0"/>
           </a:p>
@@ -9944,11 +9940,7 @@
             </a:pPr>
             <a:r>
               <a:rPr lang="zh-CN" altLang="en-US" dirty="0" smtClean="0"/>
-              <a:t>状态机程序设计</a:t>
-            </a:r>
-            <a:r>
-              <a:rPr lang="zh-CN" altLang="en-US" dirty="0" smtClean="0"/>
-              <a:t>举例</a:t>
+              <a:t>状态机程序设计举例</a:t>
             </a:r>
             <a:endParaRPr lang="en-US" altLang="zh-CN" dirty="0" smtClean="0"/>
           </a:p>
@@ -10021,7 +10013,7 @@
           <a:p>
             <a:fld id="{2C1DB555-715E-4CC2-8236-9766A92FC189}" type="datetime10">
               <a:rPr lang="zh-CN" altLang="en-US" smtClean="0"/>
-              <a:t>11:04</a:t>
+              <a:t>18:15</a:t>
             </a:fld>
             <a:endParaRPr lang="zh-CN" altLang="en-US"/>
           </a:p>
@@ -10893,7 +10885,7 @@
           <a:p>
             <a:fld id="{9E518833-6C06-484D-8281-4FEA42096733}" type="datetime10">
               <a:rPr lang="zh-CN" altLang="en-US" smtClean="0"/>
-              <a:t>11:04</a:t>
+              <a:t>18:15</a:t>
             </a:fld>
             <a:endParaRPr lang="zh-CN" altLang="en-US"/>
           </a:p>
@@ -11113,7 +11105,7 @@
           <a:p>
             <a:fld id="{80F8C20A-6B4D-4497-8FEB-052C47EB3E84}" type="datetime10">
               <a:rPr lang="zh-CN" altLang="en-US" smtClean="0"/>
-              <a:t>11:04</a:t>
+              <a:t>18:15</a:t>
             </a:fld>
             <a:endParaRPr lang="zh-CN" altLang="en-US"/>
           </a:p>
@@ -11386,7 +11378,7 @@
           <a:p>
             <a:fld id="{E801C748-8E21-4420-98CB-69D901245379}" type="datetime10">
               <a:rPr lang="zh-CN" altLang="en-US" smtClean="0"/>
-              <a:t>11:04</a:t>
+              <a:t>18:15</a:t>
             </a:fld>
             <a:endParaRPr lang="zh-CN" altLang="en-US" dirty="0"/>
           </a:p>
@@ -11851,8 +11843,8 @@
         </p:nvSpPr>
         <p:spPr>
           <a:xfrm>
-            <a:off x="178408" y="1700808"/>
-            <a:ext cx="4752528" cy="1079822"/>
+            <a:off x="155228" y="1268760"/>
+            <a:ext cx="4775708" cy="432048"/>
           </a:xfrm>
         </p:spPr>
         <p:txBody>
@@ -12010,7 +12002,7 @@
           <a:p>
             <a:fld id="{6E45DBF5-B756-47BE-B41E-FBAEEF05FD62}" type="datetime10">
               <a:rPr lang="zh-CN" altLang="en-US" smtClean="0"/>
-              <a:t>11:04</a:t>
+              <a:t>18:15</a:t>
             </a:fld>
             <a:endParaRPr lang="zh-CN" altLang="en-US"/>
           </a:p>
@@ -12024,8 +12016,8 @@
         </p:nvSpPr>
         <p:spPr>
           <a:xfrm>
-            <a:off x="179512" y="2060848"/>
-            <a:ext cx="3312368" cy="2086725"/>
+            <a:off x="155228" y="1628800"/>
+            <a:ext cx="3984724" cy="2520280"/>
           </a:xfrm>
           <a:prstGeom prst="rect">
             <a:avLst/>
@@ -12220,13 +12212,26 @@
               <a:buChar char="u"/>
             </a:pPr>
             <a:r>
-              <a:rPr lang="en-US" altLang="zh-CN" dirty="0">
+              <a:rPr lang="en-US" altLang="zh-CN" dirty="0" smtClean="0">
                 <a:solidFill>
                   <a:schemeClr val="tx1"/>
                 </a:solidFill>
               </a:rPr>
               <a:t>Hello</a:t>
             </a:r>
+            <a:r>
+              <a:rPr lang="zh-CN" altLang="en-US" dirty="0" smtClean="0">
+                <a:solidFill>
+                  <a:schemeClr val="tx1"/>
+                </a:solidFill>
+              </a:rPr>
+              <a:t>（初始状态）</a:t>
+            </a:r>
+            <a:endParaRPr lang="en-US" altLang="zh-CN" dirty="0">
+              <a:solidFill>
+                <a:schemeClr val="tx1"/>
+              </a:solidFill>
+            </a:endParaRPr>
           </a:p>
           <a:p>
             <a:pPr marL="342900" indent="-342900">
@@ -12239,8 +12244,45 @@
                   <a:schemeClr val="tx1"/>
                 </a:solidFill>
               </a:rPr>
-              <a:t>Menu 20</a:t>
-            </a:r>
+              <a:t>Menu </a:t>
+            </a:r>
+            <a:r>
+              <a:rPr lang="en-US" altLang="zh-CN" dirty="0" smtClean="0">
+                <a:solidFill>
+                  <a:schemeClr val="tx1"/>
+                </a:solidFill>
+              </a:rPr>
+              <a:t>20</a:t>
+            </a:r>
+            <a:r>
+              <a:rPr lang="zh-CN" altLang="en-US" dirty="0" smtClean="0">
+                <a:solidFill>
+                  <a:schemeClr val="tx1"/>
+                </a:solidFill>
+              </a:rPr>
+              <a:t>（选择</a:t>
+            </a:r>
+            <a:r>
+              <a:rPr lang="en-US" altLang="zh-CN" dirty="0" smtClean="0">
+                <a:solidFill>
+                  <a:schemeClr val="tx1"/>
+                </a:solidFill>
+              </a:rPr>
+              <a:t>20</a:t>
+            </a:r>
+            <a:r>
+              <a:rPr lang="zh-CN" altLang="en-US" dirty="0" smtClean="0">
+                <a:solidFill>
+                  <a:schemeClr val="tx1"/>
+                </a:solidFill>
+              </a:rPr>
+              <a:t>元商品）</a:t>
+            </a:r>
+            <a:endParaRPr lang="en-US" altLang="zh-CN" dirty="0">
+              <a:solidFill>
+                <a:schemeClr val="tx1"/>
+              </a:solidFill>
+            </a:endParaRPr>
           </a:p>
           <a:p>
             <a:pPr marL="342900" indent="-342900">
@@ -12253,8 +12295,61 @@
                   <a:schemeClr val="tx1"/>
                 </a:solidFill>
               </a:rPr>
-              <a:t>Menu 20/50</a:t>
-            </a:r>
+              <a:t>Menu </a:t>
+            </a:r>
+            <a:r>
+              <a:rPr lang="en-US" altLang="zh-CN" dirty="0" smtClean="0">
+                <a:solidFill>
+                  <a:schemeClr val="tx1"/>
+                </a:solidFill>
+              </a:rPr>
+              <a:t>20/50</a:t>
+            </a:r>
+            <a:r>
+              <a:rPr lang="zh-CN" altLang="en-US" dirty="0" smtClean="0">
+                <a:solidFill>
+                  <a:schemeClr val="tx1"/>
+                </a:solidFill>
+              </a:rPr>
+              <a:t>（选择</a:t>
+            </a:r>
+            <a:r>
+              <a:rPr lang="en-US" altLang="zh-CN" dirty="0" smtClean="0">
+                <a:solidFill>
+                  <a:schemeClr val="tx1"/>
+                </a:solidFill>
+              </a:rPr>
+              <a:t>20</a:t>
+            </a:r>
+            <a:r>
+              <a:rPr lang="zh-CN" altLang="en-US" dirty="0" smtClean="0">
+                <a:solidFill>
+                  <a:schemeClr val="tx1"/>
+                </a:solidFill>
+              </a:rPr>
+              <a:t>或</a:t>
+            </a:r>
+            <a:r>
+              <a:rPr lang="en-US" altLang="zh-CN" dirty="0" smtClean="0">
+                <a:solidFill>
+                  <a:schemeClr val="tx1"/>
+                </a:solidFill>
+              </a:rPr>
+              <a:t>50</a:t>
+            </a:r>
+            <a:r>
+              <a:rPr lang="zh-CN" altLang="en-US" dirty="0" smtClean="0">
+                <a:solidFill>
+                  <a:schemeClr val="tx1"/>
+                </a:solidFill>
+              </a:rPr>
+              <a:t>元商品）</a:t>
+            </a:r>
+            <a:endParaRPr lang="en-US" altLang="zh-CN" dirty="0">
+              <a:solidFill>
+                <a:schemeClr val="tx1"/>
+              </a:solidFill>
+            </a:endParaRPr>
           </a:p>
           <a:p>
             <a:pPr marL="342900" indent="-342900">
@@ -12267,8 +12362,29 @@
                   <a:schemeClr val="tx1"/>
                 </a:solidFill>
               </a:rPr>
-              <a:t>Not Enough</a:t>
-            </a:r>
+              <a:t>Not </a:t>
+            </a:r>
+            <a:r>
+              <a:rPr lang="en-US" altLang="zh-CN" dirty="0" smtClean="0">
+                <a:solidFill>
+                  <a:schemeClr val="tx1"/>
+                </a:solidFill>
+              </a:rPr>
+              <a:t>Enough</a:t>
+            </a:r>
+            <a:r>
+              <a:rPr lang="zh-CN" altLang="en-US" dirty="0" smtClean="0">
+                <a:solidFill>
+                  <a:schemeClr val="tx1"/>
+                </a:solidFill>
+              </a:rPr>
+              <a:t>（投币不足）</a:t>
+            </a:r>
+            <a:endParaRPr lang="en-US" altLang="zh-CN" dirty="0">
+              <a:solidFill>
+                <a:schemeClr val="tx1"/>
+              </a:solidFill>
+            </a:endParaRPr>
           </a:p>
         </p:txBody>
       </p:sp>
@@ -13367,7 +13483,7 @@
           <a:p>
             <a:fld id="{EF1B528B-2CC7-4879-984A-89097D750F87}" type="datetime10">
               <a:rPr lang="zh-CN" altLang="en-US" smtClean="0"/>
-              <a:t>11:04</a:t>
+              <a:t>18:15</a:t>
             </a:fld>
             <a:endParaRPr lang="zh-CN" altLang="en-US"/>
           </a:p>
@@ -14206,7 +14322,7 @@
           <a:p>
             <a:fld id="{225BBFCE-D1A0-48A7-B208-D8F26EEC3AC3}" type="datetime10">
               <a:rPr lang="zh-CN" altLang="en-US" smtClean="0"/>
-              <a:t>11:04</a:t>
+              <a:t>18:15</a:t>
             </a:fld>
             <a:endParaRPr lang="zh-CN" altLang="en-US"/>
           </a:p>
@@ -14991,7 +15107,7 @@
           <a:p>
             <a:fld id="{65DEFA4A-0771-4AA5-8C70-A63112250E1E}" type="datetime10">
               <a:rPr lang="zh-CN" altLang="en-US" smtClean="0"/>
-              <a:t>11:04</a:t>
+              <a:t>18:15</a:t>
             </a:fld>
             <a:endParaRPr lang="zh-CN" altLang="en-US"/>
           </a:p>
@@ -15888,7 +16004,7 @@
           <a:p>
             <a:fld id="{D970E9A2-F322-4BCB-8C96-9A745930F08D}" type="datetime10">
               <a:rPr lang="zh-CN" altLang="en-US" smtClean="0"/>
-              <a:t>11:04</a:t>
+              <a:t>18:15</a:t>
             </a:fld>
             <a:endParaRPr lang="zh-CN" altLang="en-US"/>
           </a:p>
@@ -16812,7 +16928,7 @@
           <a:p>
             <a:fld id="{D4B924C2-6AF3-4CA9-B4C1-E65BE2C5A8D2}" type="datetime10">
               <a:rPr lang="zh-CN" altLang="en-US" smtClean="0"/>
-              <a:t>11:04</a:t>
+              <a:t>18:15</a:t>
             </a:fld>
             <a:endParaRPr lang="zh-CN" altLang="en-US"/>
           </a:p>
